--- a/test/template/test-ppt-chart-3-bar.pptx
+++ b/test/template/test-ppt-chart-3-bar.pptx
@@ -106,23 +106,40 @@
   </p:defaultTextStyle>
   <p:extLst>
     <p:ext uri="{EFAFB233-063F-42B5-8137-9DF3F51BA10A}">
-      <p15:sldGuideLst xmlns:p15="http://schemas.microsoft.com/office/powerpoint/2012/main"/>
+      <p15:sldGuideLst xmlns:p15="http://schemas.microsoft.com/office/powerpoint/2012/main" xmlns=""/>
     </p:ext>
   </p:extLst>
 </p:presentation>
 </file>
 
-<file path=ppt/charts/chart4.xml><?xml version="1.0" encoding="utf-8"?>
+<file path=ppt/charts/chart1.xml><?xml version="1.0" encoding="utf-8"?>
 <c:chartSpace xmlns:c="http://schemas.openxmlformats.org/drawingml/2006/chart" xmlns:a="http://schemas.openxmlformats.org/drawingml/2006/main" xmlns:r="http://schemas.openxmlformats.org/officeDocument/2006/relationships">
-  <c:lang val="en-US"/>
+  <c:lang val="zh-CN"/>
   <c:chart>
+    <c:title>
+      <c:tx>
+        <c:rich>
+          <a:bodyPr/>
+          <a:lstStyle/>
+          <a:p>
+            <a:pPr>
+              <a:defRPr lang="en-US"/>
+            </a:pPr>
+            <a:r>
+              <a:rPr lang="en-US" altLang="zh-CN" dirty="0" smtClean="0"/>
+              <a:t>{chart1}</a:t>
+            </a:r>
+            <a:endParaRPr lang="en-US" dirty="0"/>
+          </a:p>
+        </c:rich>
+      </c:tx>
+      <c:layout/>
+    </c:title>
     <c:plotArea>
       <c:layout/>
       <c:barChart>
         <c:barDir val="bar"/>
         <c:grouping val="clustered"/>
-        <c:axId val="64451712"/>
-        <c:axId val="64453248"/>
         <c:ser>
           <c:idx val="0"/>
           <c:order val="0"/>
@@ -137,7 +154,11 @@
               </c:strCache>
             </c:strRef>
           </c:tx>
-          <c:invertIfNegative val="0"/>
+          <c:spPr>
+            <a:solidFill>
+              <a:srgbClr val="FF0000"/>
+            </a:solidFill>
+          </c:spPr>
           <c:cat>
             <c:strRef>
               <c:f>Sheet1!$A$2:$A$4</c:f>
@@ -173,11 +194,6 @@
               </c:numCache>
             </c:numRef>
           </c:val>
-          <c:spPr>
-            <a:solidFill>
-              <a:srgbClr val="ff0000"/>
-            </a:solidFill>
-          </c:spPr>
         </c:ser>
         <c:ser>
           <c:idx val="1"/>
@@ -193,7 +209,11 @@
               </c:strCache>
             </c:strRef>
           </c:tx>
-          <c:invertIfNegative val="0"/>
+          <c:spPr>
+            <a:solidFill>
+              <a:srgbClr val="00FF00"/>
+            </a:solidFill>
+          </c:spPr>
           <c:cat>
             <c:strRef>
               <c:f>Sheet1!$A$2:$A$4</c:f>
@@ -229,11 +249,6 @@
               </c:numCache>
             </c:numRef>
           </c:val>
-          <c:spPr>
-            <a:solidFill>
-              <a:srgbClr val="00ff00"/>
-            </a:solidFill>
-          </c:spPr>
         </c:ser>
         <c:ser>
           <c:idx val="2"/>
@@ -249,7 +264,11 @@
               </c:strCache>
             </c:strRef>
           </c:tx>
-          <c:invertIfNegative val="0"/>
+          <c:spPr>
+            <a:solidFill>
+              <a:srgbClr val="0000FF"/>
+            </a:solidFill>
+          </c:spPr>
           <c:cat>
             <c:strRef>
               <c:f>Sheet1!$A$2:$A$4</c:f>
@@ -277,7 +296,7 @@
                   <c:v>2.1</c:v>
                 </c:pt>
                 <c:pt idx="1">
-                  <c:v>2.2</c:v>
+                  <c:v>2.2000000000000002</c:v>
                 </c:pt>
                 <c:pt idx="2">
                   <c:v>2.4</c:v>
@@ -285,11 +304,6 @@
               </c:numCache>
             </c:numRef>
           </c:val>
-          <c:spPr>
-            <a:solidFill>
-              <a:srgbClr val="0000ff"/>
-            </a:solidFill>
-          </c:spPr>
         </c:ser>
         <c:ser>
           <c:idx val="3"/>
@@ -305,7 +319,11 @@
               </c:strCache>
             </c:strRef>
           </c:tx>
-          <c:invertIfNegative val="0"/>
+          <c:spPr>
+            <a:solidFill>
+              <a:srgbClr val="FFFF00"/>
+            </a:solidFill>
+          </c:spPr>
           <c:cat>
             <c:strRef>
               <c:f>Sheet1!$A$2:$A$4</c:f>
@@ -330,22 +348,17 @@
                 <c:formatCode>General</c:formatCode>
                 <c:ptCount val="3"/>
                 <c:pt idx="0">
-                  <c:v>0.3</c:v>
+                  <c:v>0.30000000000000004</c:v>
                 </c:pt>
                 <c:pt idx="1">
-                  <c:v>0.3</c:v>
+                  <c:v>0.30000000000000004</c:v>
                 </c:pt>
                 <c:pt idx="2">
-                  <c:v>0.3</c:v>
+                  <c:v>0.30000000000000004</c:v>
                 </c:pt>
               </c:numCache>
             </c:numRef>
           </c:val>
-          <c:spPr>
-            <a:solidFill>
-              <a:srgbClr val="ffff00"/>
-            </a:solidFill>
-          </c:spPr>
         </c:ser>
         <c:ser>
           <c:idx val="4"/>
@@ -361,7 +374,11 @@
               </c:strCache>
             </c:strRef>
           </c:tx>
-          <c:invertIfNegative val="0"/>
+          <c:spPr>
+            <a:solidFill>
+              <a:srgbClr val="FF00FF"/>
+            </a:solidFill>
+          </c:spPr>
           <c:cat>
             <c:strRef>
               <c:f>Sheet1!$A$2:$A$4</c:f>
@@ -389,19 +406,14 @@
                   <c:v>0.2</c:v>
                 </c:pt>
                 <c:pt idx="1">
-                  <c:v>0.3</c:v>
+                  <c:v>0.30000000000000004</c:v>
                 </c:pt>
                 <c:pt idx="2">
-                  <c:v>0.3</c:v>
+                  <c:v>0.30000000000000004</c:v>
                 </c:pt>
               </c:numCache>
             </c:numRef>
           </c:val>
-          <c:spPr>
-            <a:solidFill>
-              <a:srgbClr val="ff00ff"/>
-            </a:solidFill>
-          </c:spPr>
         </c:ser>
         <c:ser>
           <c:idx val="5"/>
@@ -417,7 +429,11 @@
               </c:strCache>
             </c:strRef>
           </c:tx>
-          <c:invertIfNegative val="0"/>
+          <c:spPr>
+            <a:solidFill>
+              <a:srgbClr val="00FFFF"/>
+            </a:solidFill>
+          </c:spPr>
           <c:cat>
             <c:strRef>
               <c:f>Sheet1!$A$2:$A$4</c:f>
@@ -453,35 +469,52 @@
               </c:numCache>
             </c:numRef>
           </c:val>
-          <c:spPr>
-            <a:solidFill>
-              <a:srgbClr val="00ffff"/>
-            </a:solidFill>
-          </c:spPr>
         </c:ser>
+        <c:axId val="87250048"/>
+        <c:axId val="87251968"/>
       </c:barChart>
       <c:catAx>
-        <c:axId val="64451712"/>
+        <c:axId val="87250048"/>
         <c:scaling>
           <c:orientation val="minMax"/>
         </c:scaling>
         <c:axPos val="l"/>
         <c:tickLblPos val="nextTo"/>
-        <c:crossAx val="64453248"/>
+        <c:txPr>
+          <a:bodyPr/>
+          <a:lstStyle/>
+          <a:p>
+            <a:pPr>
+              <a:defRPr lang="en-US"/>
+            </a:pPr>
+            <a:endParaRPr lang="zh-CN"/>
+          </a:p>
+        </c:txPr>
+        <c:crossAx val="87251968"/>
         <c:crosses val="autoZero"/>
         <c:auto val="1"/>
         <c:lblAlgn val="ctr"/>
         <c:lblOffset val="100"/>
       </c:catAx>
       <c:valAx>
-        <c:axId val="64453248"/>
+        <c:axId val="87251968"/>
         <c:scaling>
           <c:orientation val="minMax"/>
         </c:scaling>
         <c:axPos val="b"/>
         <c:numFmt formatCode="General" sourceLinked="1"/>
         <c:tickLblPos val="nextTo"/>
-        <c:crossAx val="64451712"/>
+        <c:txPr>
+          <a:bodyPr/>
+          <a:lstStyle/>
+          <a:p>
+            <a:pPr>
+              <a:defRPr lang="en-US"/>
+            </a:pPr>
+            <a:endParaRPr lang="zh-CN"/>
+          </a:p>
+        </c:txPr>
+        <c:crossAx val="87250048"/>
         <c:crosses val="autoZero"/>
         <c:crossBetween val="between"/>
       </c:valAx>
@@ -489,28 +522,18 @@
     <c:legend>
       <c:legendPos val="r"/>
       <c:layout/>
+      <c:txPr>
+        <a:bodyPr/>
+        <a:lstStyle/>
+        <a:p>
+          <a:pPr>
+            <a:defRPr lang="en-US"/>
+          </a:pPr>
+          <a:endParaRPr lang="zh-CN"/>
+        </a:p>
+      </c:txPr>
     </c:legend>
     <c:plotVisOnly val="1"/>
-    <c:title>
-      <c:tx>
-        <c:rich>
-          <a:bodyPr/>
-          <a:lstStyle/>
-          <a:p>
-            <a:pPr>
-              <a:defRPr/>
-            </a:pPr>
-            <a:r>
-              <a:rPr lang="en-US" dirty="0" smtClean="0"/>
-              <a:t>Sample bar chart</a:t>
-            </a:r>
-            <a:endParaRPr lang="en-US" dirty="0"/>
-          </a:p>
-        </c:rich>
-      </c:tx>
-      <c:layout/>
-      <c:overlay val="0"/>
-    </c:title>
   </c:chart>
   <c:txPr>
     <a:bodyPr/>
@@ -519,7 +542,7 @@
       <a:pPr>
         <a:defRPr sz="1800"/>
       </a:pPr>
-      <a:endParaRPr lang="en-US"/>
+      <a:endParaRPr lang="zh-CN"/>
     </a:p>
   </c:txPr>
   <c:externalData r:id="rId1"/>
@@ -707,7 +730,8 @@
           <a:p>
             <a:fld id="{F8166F1F-CE9B-4651-A6AA-CD717754106B}" type="datetimeFigureOut">
               <a:rPr lang="en-US" smtClean="0"/>
-              <a:t>6/13/2013</a:t>
+              <a:pPr/>
+              <a:t>8/25/2016</a:t>
             </a:fld>
             <a:endParaRPr lang="en-US"/>
           </a:p>
@@ -749,7 +773,8 @@
           <a:p>
             <a:fld id="{F7021451-1387-4CA6-816F-3879F97B5CBC}" type="slidenum">
               <a:rPr lang="en-US" smtClean="0"/>
-              <a:t>�#�</a:t>
+              <a:pPr/>
+              <a:t>‹#›</a:t>
             </a:fld>
             <a:endParaRPr lang="en-US"/>
           </a:p>
@@ -915,7 +940,8 @@
           <a:p>
             <a:fld id="{F8166F1F-CE9B-4651-A6AA-CD717754106B}" type="datetimeFigureOut">
               <a:rPr lang="en-US" smtClean="0"/>
-              <a:t>6/13/2013</a:t>
+              <a:pPr/>
+              <a:t>8/25/2016</a:t>
             </a:fld>
             <a:endParaRPr lang="en-US"/>
           </a:p>
@@ -993,7 +1019,8 @@
           <a:p>
             <a:fld id="{F7021451-1387-4CA6-816F-3879F97B5CBC}" type="slidenum">
               <a:rPr lang="en-US" smtClean="0"/>
-              <a:t>�#�</a:t>
+              <a:pPr/>
+              <a:t>‹#›</a:t>
             </a:fld>
             <a:endParaRPr lang="en-US"/>
           </a:p>
@@ -1264,7 +1291,7 @@
     <p:bg>
       <p:bgPr>
         <a:solidFill>
-          <a:srgbClr val="ffffff"/>
+          <a:srgbClr val="FFFFFF"/>
         </a:solidFill>
         <a:effectLst/>
       </p:bgPr>
@@ -1290,7 +1317,7 @@
           <p:nvPr>
             <p:extLst>
               <p:ext uri="{D42A27DB-BD31-4B8C-83A1-F6EECF244321}">
-                <p14:modId xmlns:p14="http://schemas.microsoft.com/office/powerpoint/2010/main" val="1256887135"/>
+                <p14:modId xmlns:p14="http://schemas.microsoft.com/office/powerpoint/2010/main" xmlns="" val="1256887135"/>
               </p:ext>
             </p:extLst>
           </p:nvPr>
